--- a/04_김민재_자바심화_환전시스템.pptx
+++ b/04_김민재_자바심화_환전시스템.pptx
@@ -18,6 +18,7 @@
     <p:sldId id="266" r:id="rId12"/>
     <p:sldId id="265" r:id="rId13"/>
     <p:sldId id="267" r:id="rId14"/>
+    <p:sldId id="270" r:id="rId15"/>
   </p:sldIdLst>
   <p:sldSz cx="12192000" cy="6858000"/>
   <p:notesSz cx="6858000" cy="9144000"/>
@@ -460,7 +461,7 @@
             <a:fld id="{5923F103-BC34-4FE4-A40E-EDDEECFDA5D0}" type="datetimeFigureOut">
               <a:rPr lang="en-US" dirty="0"/>
               <a:pPr/>
-              <a:t>4/13/2021</a:t>
+              <a:t>4/14/2021</a:t>
             </a:fld>
             <a:endParaRPr lang="en-US" dirty="0"/>
           </a:p>
@@ -1548,7 +1549,7 @@
           <a:p>
             <a:fld id="{923A1CC3-2375-41D4-9E03-427CAF2A4C1A}" type="datetimeFigureOut">
               <a:rPr lang="en-US" dirty="0"/>
-              <a:t>4/13/2021</a:t>
+              <a:t>4/14/2021</a:t>
             </a:fld>
             <a:endParaRPr lang="en-US" dirty="0"/>
           </a:p>
@@ -2528,7 +2529,7 @@
           <a:p>
             <a:fld id="{AFF16868-8199-4C2C-A5B1-63AEE139F88E}" type="datetimeFigureOut">
               <a:rPr lang="en-US" dirty="0"/>
-              <a:t>4/13/2021</a:t>
+              <a:t>4/14/2021</a:t>
             </a:fld>
             <a:endParaRPr lang="en-US" dirty="0"/>
           </a:p>
@@ -3662,7 +3663,7 @@
           <a:p>
             <a:fld id="{AAD9FF7F-6988-44CC-821B-644E70CD2F73}" type="datetimeFigureOut">
               <a:rPr lang="en-US" dirty="0"/>
-              <a:t>4/13/2021</a:t>
+              <a:t>4/14/2021</a:t>
             </a:fld>
             <a:endParaRPr lang="en-US" dirty="0"/>
           </a:p>
@@ -4695,7 +4696,7 @@
           <a:p>
             <a:fld id="{5C12C299-16B2-4475-990D-751901EACC14}" type="datetimeFigureOut">
               <a:rPr lang="en-US" dirty="0"/>
-              <a:t>4/13/2021</a:t>
+              <a:t>4/14/2021</a:t>
             </a:fld>
             <a:endParaRPr lang="en-US" dirty="0"/>
           </a:p>
@@ -5355,7 +5356,7 @@
           <a:p>
             <a:fld id="{9FE86839-B9D8-4651-8783-F325ECE74E65}" type="datetimeFigureOut">
               <a:rPr lang="en-US" dirty="0"/>
-              <a:t>4/13/2021</a:t>
+              <a:t>4/14/2021</a:t>
             </a:fld>
             <a:endParaRPr lang="en-US" dirty="0"/>
           </a:p>
@@ -6216,7 +6217,7 @@
           <a:p>
             <a:fld id="{FD484F64-32F6-45C5-931F-ADC1662401D0}" type="datetimeFigureOut">
               <a:rPr lang="en-US" dirty="0"/>
-              <a:t>4/13/2021</a:t>
+              <a:t>4/14/2021</a:t>
             </a:fld>
             <a:endParaRPr lang="en-US" dirty="0"/>
           </a:p>
@@ -6406,7 +6407,7 @@
           <a:p>
             <a:fld id="{53086D93-FCAC-47E0-A2EE-787E62CA814C}" type="datetimeFigureOut">
               <a:rPr lang="en-US" dirty="0"/>
-              <a:t>4/13/2021</a:t>
+              <a:t>4/14/2021</a:t>
             </a:fld>
             <a:endParaRPr lang="en-US" dirty="0"/>
           </a:p>
@@ -7378,7 +7379,7 @@
           <a:p>
             <a:fld id="{CDA879A6-0FD0-4734-A311-86BFCA472E6E}" type="datetimeFigureOut">
               <a:rPr lang="en-US" dirty="0"/>
-              <a:t>4/13/2021</a:t>
+              <a:t>4/14/2021</a:t>
             </a:fld>
             <a:endParaRPr lang="en-US" dirty="0"/>
           </a:p>
@@ -7589,7 +7590,7 @@
           <a:p>
             <a:fld id="{19C9CA7B-DFD4-44B5-8C60-D14B8CD1FB59}" type="datetimeFigureOut">
               <a:rPr lang="en-US" dirty="0"/>
-              <a:t>4/13/2021</a:t>
+              <a:t>4/14/2021</a:t>
             </a:fld>
             <a:endParaRPr lang="en-US" dirty="0"/>
           </a:p>
@@ -8623,7 +8624,7 @@
           <a:p>
             <a:fld id="{F34E6425-0181-43F2-84FC-787E803FD2F8}" type="datetimeFigureOut">
               <a:rPr lang="en-US" dirty="0"/>
-              <a:t>4/13/2021</a:t>
+              <a:t>4/14/2021</a:t>
             </a:fld>
             <a:endParaRPr lang="en-US" dirty="0"/>
           </a:p>
@@ -8895,7 +8896,7 @@
           <a:p>
             <a:fld id="{3BDB8791-F1B0-41E7-B7FD-A781E65C4266}" type="datetimeFigureOut">
               <a:rPr lang="en-US" dirty="0"/>
-              <a:t>4/13/2021</a:t>
+              <a:t>4/14/2021</a:t>
             </a:fld>
             <a:endParaRPr lang="en-US" dirty="0"/>
           </a:p>
@@ -9305,7 +9306,7 @@
           <a:p>
             <a:fld id="{5FDD63B2-E120-4ED8-B27B-C685F510A5FE}" type="datetimeFigureOut">
               <a:rPr lang="en-US" dirty="0"/>
-              <a:t>4/13/2021</a:t>
+              <a:t>4/14/2021</a:t>
             </a:fld>
             <a:endParaRPr lang="en-US" dirty="0"/>
           </a:p>
@@ -9432,7 +9433,7 @@
           <a:p>
             <a:fld id="{7AA18ACC-A947-437B-A130-35BD54FDF1E9}" type="datetimeFigureOut">
               <a:rPr lang="en-US" dirty="0"/>
-              <a:t>4/13/2021</a:t>
+              <a:t>4/14/2021</a:t>
             </a:fld>
             <a:endParaRPr lang="en-US" dirty="0"/>
           </a:p>
@@ -9527,7 +9528,7 @@
           <a:p>
             <a:fld id="{7C8D7E02-BCB8-4D50-A234-369438C08659}" type="datetimeFigureOut">
               <a:rPr lang="en-US" dirty="0"/>
-              <a:t>4/13/2021</a:t>
+              <a:t>4/14/2021</a:t>
             </a:fld>
             <a:endParaRPr lang="en-US" dirty="0"/>
           </a:p>
@@ -10608,7 +10609,7 @@
           <a:p>
             <a:fld id="{76E86A4C-8E40-4F87-A4F0-01A0687C5742}" type="datetimeFigureOut">
               <a:rPr lang="en-US" dirty="0"/>
-              <a:t>4/13/2021</a:t>
+              <a:t>4/14/2021</a:t>
             </a:fld>
             <a:endParaRPr lang="en-US" dirty="0"/>
           </a:p>
@@ -11716,7 +11717,7 @@
           <a:p>
             <a:fld id="{35E72C73-2D91-4E12-BA25-F0AA0C03599B}" type="datetimeFigureOut">
               <a:rPr lang="en-US" dirty="0"/>
-              <a:t>4/13/2021</a:t>
+              <a:t>4/14/2021</a:t>
             </a:fld>
             <a:endParaRPr lang="en-US" dirty="0"/>
           </a:p>
@@ -12713,7 +12714,7 @@
           <a:p>
             <a:fld id="{2BE451C3-0FF4-47C4-B829-773ADF60F88C}" type="datetimeFigureOut">
               <a:rPr lang="en-US" dirty="0"/>
-              <a:t>4/13/2021</a:t>
+              <a:t>4/14/2021</a:t>
             </a:fld>
             <a:endParaRPr lang="en-US" dirty="0"/>
           </a:p>
@@ -13366,6 +13367,13 @@
   <p:clrMapOvr>
     <a:masterClrMapping/>
   </p:clrMapOvr>
+  <p:timing>
+    <p:tnLst>
+      <p:par>
+        <p:cTn id="1" dur="indefinite" restart="never" nodeType="tmRoot"/>
+      </p:par>
+    </p:tnLst>
+  </p:timing>
 </p:sld>
 </file>
 
@@ -13587,7 +13595,7 @@
       </p:sp>
       <p:pic>
         <p:nvPicPr>
-          <p:cNvPr id="4" name="그림 3"/>
+          <p:cNvPr id="5" name="그림 4"/>
           <p:cNvPicPr>
             <a:picLocks noChangeAspect="1"/>
           </p:cNvPicPr>
@@ -13601,8 +13609,8 @@
         </p:blipFill>
         <p:spPr>
           <a:xfrm>
-            <a:off x="5681623" y="1911927"/>
-            <a:ext cx="6336205" cy="4945083"/>
+            <a:off x="514658" y="4836967"/>
+            <a:ext cx="4336655" cy="411925"/>
           </a:xfrm>
           <a:prstGeom prst="rect">
             <a:avLst/>
@@ -13611,7 +13619,7 @@
       </p:pic>
       <p:pic>
         <p:nvPicPr>
-          <p:cNvPr id="5" name="그림 4"/>
+          <p:cNvPr id="6" name="그림 5"/>
           <p:cNvPicPr>
             <a:picLocks noChangeAspect="1"/>
           </p:cNvPicPr>
@@ -13625,8 +13633,8 @@
         </p:blipFill>
         <p:spPr>
           <a:xfrm>
-            <a:off x="514658" y="4836967"/>
-            <a:ext cx="4336655" cy="411925"/>
+            <a:off x="5535660" y="2369323"/>
+            <a:ext cx="6317932" cy="4316485"/>
           </a:xfrm>
           <a:prstGeom prst="rect">
             <a:avLst/>
@@ -13643,6 +13651,13 @@
   <p:clrMapOvr>
     <a:masterClrMapping/>
   </p:clrMapOvr>
+  <p:timing>
+    <p:tnLst>
+      <p:par>
+        <p:cTn id="1" dur="indefinite" restart="never" nodeType="tmRoot"/>
+      </p:par>
+    </p:tnLst>
+  </p:timing>
 </p:sld>
 </file>
 
@@ -13881,7 +13896,7 @@
       </p:sp>
       <p:pic>
         <p:nvPicPr>
-          <p:cNvPr id="5" name="그림 4"/>
+          <p:cNvPr id="4" name="그림 3"/>
           <p:cNvPicPr>
             <a:picLocks noChangeAspect="1"/>
           </p:cNvPicPr>
@@ -13895,8 +13910,8 @@
         </p:blipFill>
         <p:spPr>
           <a:xfrm>
-            <a:off x="5077168" y="2594610"/>
-            <a:ext cx="7061813" cy="4129298"/>
+            <a:off x="5049446" y="2377539"/>
+            <a:ext cx="6632014" cy="4402997"/>
           </a:xfrm>
           <a:prstGeom prst="rect">
             <a:avLst/>
@@ -13913,6 +13928,13 @@
   <p:clrMapOvr>
     <a:masterClrMapping/>
   </p:clrMapOvr>
+  <p:timing>
+    <p:tnLst>
+      <p:par>
+        <p:cTn id="1" dur="indefinite" restart="never" nodeType="tmRoot"/>
+      </p:par>
+    </p:tnLst>
+  </p:timing>
 </p:sld>
 </file>
 
@@ -14110,7 +14132,7 @@
       </p:sp>
       <p:pic>
         <p:nvPicPr>
-          <p:cNvPr id="4" name="그림 3"/>
+          <p:cNvPr id="5" name="그림 4"/>
           <p:cNvPicPr>
             <a:picLocks noChangeAspect="1"/>
           </p:cNvPicPr>
@@ -14124,8 +14146,8 @@
         </p:blipFill>
         <p:spPr>
           <a:xfrm>
-            <a:off x="5333381" y="2376178"/>
-            <a:ext cx="6739753" cy="4481822"/>
+            <a:off x="285009" y="4617089"/>
+            <a:ext cx="4061360" cy="1200358"/>
           </a:xfrm>
           <a:prstGeom prst="rect">
             <a:avLst/>
@@ -14134,7 +14156,7 @@
       </p:pic>
       <p:pic>
         <p:nvPicPr>
-          <p:cNvPr id="5" name="그림 4"/>
+          <p:cNvPr id="6" name="그림 5"/>
           <p:cNvPicPr>
             <a:picLocks noChangeAspect="1"/>
           </p:cNvPicPr>
@@ -14148,8 +14170,8 @@
         </p:blipFill>
         <p:spPr>
           <a:xfrm>
-            <a:off x="285009" y="4617089"/>
-            <a:ext cx="4061360" cy="1200358"/>
+            <a:off x="5114670" y="2608086"/>
+            <a:ext cx="7077330" cy="3106914"/>
           </a:xfrm>
           <a:prstGeom prst="rect">
             <a:avLst/>
@@ -14166,6 +14188,13 @@
   <p:clrMapOvr>
     <a:masterClrMapping/>
   </p:clrMapOvr>
+  <p:timing>
+    <p:tnLst>
+      <p:par>
+        <p:cTn id="1" dur="indefinite" restart="never" nodeType="tmRoot"/>
+      </p:par>
+    </p:tnLst>
+  </p:timing>
 </p:sld>
 </file>
 
@@ -14313,7 +14342,7 @@
       </p:sp>
       <p:pic>
         <p:nvPicPr>
-          <p:cNvPr id="6" name="그림 5"/>
+          <p:cNvPr id="4" name="그림 3"/>
           <p:cNvPicPr>
             <a:picLocks noChangeAspect="1"/>
           </p:cNvPicPr>
@@ -14327,8 +14356,8 @@
         </p:blipFill>
         <p:spPr>
           <a:xfrm>
-            <a:off x="6208606" y="2265528"/>
-            <a:ext cx="5356331" cy="4592472"/>
+            <a:off x="5132780" y="2738087"/>
+            <a:ext cx="6842050" cy="3446747"/>
           </a:xfrm>
           <a:prstGeom prst="rect">
             <a:avLst/>
@@ -14345,6 +14374,187 @@
   <p:clrMapOvr>
     <a:masterClrMapping/>
   </p:clrMapOvr>
+  <p:timing>
+    <p:tnLst>
+      <p:par>
+        <p:cTn id="1" dur="indefinite" restart="never" nodeType="tmRoot"/>
+      </p:par>
+    </p:tnLst>
+  </p:timing>
+</p:sld>
+</file>
+
+<file path=ppt/slides/slide14.xml><?xml version="1.0" encoding="utf-8"?>
+<p:sld xmlns:a="http://schemas.openxmlformats.org/drawingml/2006/main" xmlns:r="http://schemas.openxmlformats.org/officeDocument/2006/relationships" xmlns:p="http://schemas.openxmlformats.org/presentationml/2006/main">
+  <p:cSld>
+    <p:spTree>
+      <p:nvGrpSpPr>
+        <p:cNvPr id="1" name=""/>
+        <p:cNvGrpSpPr/>
+        <p:nvPr/>
+      </p:nvGrpSpPr>
+      <p:grpSpPr>
+        <a:xfrm>
+          <a:off x="0" y="0"/>
+          <a:ext cx="0" cy="0"/>
+          <a:chOff x="0" y="0"/>
+          <a:chExt cx="0" cy="0"/>
+        </a:xfrm>
+      </p:grpSpPr>
+      <p:sp>
+        <p:nvSpPr>
+          <p:cNvPr id="2" name="제목 1"/>
+          <p:cNvSpPr>
+            <a:spLocks noGrp="1"/>
+          </p:cNvSpPr>
+          <p:nvPr>
+            <p:ph type="title"/>
+          </p:nvPr>
+        </p:nvSpPr>
+        <p:spPr/>
+        <p:txBody>
+          <a:bodyPr/>
+          <a:lstStyle/>
+          <a:p>
+            <a:r>
+              <a:rPr lang="en-US" altLang="ko-KR" smtClean="0"/>
+              <a:t>CSV </a:t>
+            </a:r>
+            <a:r>
+              <a:rPr lang="ko-KR" altLang="en-US" smtClean="0"/>
+              <a:t>파일 결과</a:t>
+            </a:r>
+            <a:endParaRPr lang="ko-KR" altLang="en-US"/>
+          </a:p>
+        </p:txBody>
+      </p:sp>
+      <p:pic>
+        <p:nvPicPr>
+          <p:cNvPr id="4" name="그림 3"/>
+          <p:cNvPicPr>
+            <a:picLocks noChangeAspect="1"/>
+          </p:cNvPicPr>
+          <p:nvPr/>
+        </p:nvPicPr>
+        <p:blipFill>
+          <a:blip r:embed="rId2"/>
+          <a:stretch>
+            <a:fillRect/>
+          </a:stretch>
+        </p:blipFill>
+        <p:spPr>
+          <a:xfrm>
+            <a:off x="0" y="3233737"/>
+            <a:ext cx="12020550" cy="1419225"/>
+          </a:xfrm>
+          <a:prstGeom prst="rect">
+            <a:avLst/>
+          </a:prstGeom>
+        </p:spPr>
+      </p:pic>
+      <p:sp>
+        <p:nvSpPr>
+          <p:cNvPr id="5" name="TextBox 4"/>
+          <p:cNvSpPr txBox="1"/>
+          <p:nvPr/>
+        </p:nvSpPr>
+        <p:spPr>
+          <a:xfrm>
+            <a:off x="125730" y="2864405"/>
+            <a:ext cx="11894820" cy="307777"/>
+          </a:xfrm>
+          <a:prstGeom prst="rect">
+            <a:avLst/>
+          </a:prstGeom>
+          <a:noFill/>
+        </p:spPr>
+        <p:txBody>
+          <a:bodyPr wrap="square" rtlCol="0">
+            <a:spAutoFit/>
+          </a:bodyPr>
+          <a:lstStyle/>
+          <a:p>
+            <a:r>
+              <a:rPr lang="ko-KR" altLang="en-US" sz="1400" smtClean="0"/>
+              <a:t>환전타입</a:t>
+            </a:r>
+            <a:r>
+              <a:rPr lang="en-US" altLang="ko-KR" sz="1400" smtClean="0"/>
+              <a:t>, </a:t>
+            </a:r>
+            <a:r>
+              <a:rPr lang="ko-KR" altLang="en-US" sz="1400" smtClean="0"/>
+              <a:t>환전일 및 시간</a:t>
+            </a:r>
+            <a:r>
+              <a:rPr lang="en-US" altLang="ko-KR" sz="1400" smtClean="0"/>
+              <a:t>,   </a:t>
+            </a:r>
+            <a:r>
+              <a:rPr lang="ko-KR" altLang="en-US" sz="1050" smtClean="0"/>
+              <a:t>요구 금액</a:t>
+            </a:r>
+            <a:r>
+              <a:rPr lang="en-US" altLang="ko-KR" sz="1050" smtClean="0"/>
+              <a:t>(</a:t>
+            </a:r>
+            <a:r>
+              <a:rPr lang="ko-KR" altLang="en-US" sz="1050" smtClean="0"/>
+              <a:t>원</a:t>
+            </a:r>
+            <a:r>
+              <a:rPr lang="en-US" altLang="ko-KR" sz="1050" smtClean="0"/>
+              <a:t>), </a:t>
+            </a:r>
+            <a:r>
+              <a:rPr lang="ko-KR" altLang="en-US" sz="1050" smtClean="0"/>
+              <a:t>환전달러</a:t>
+            </a:r>
+            <a:r>
+              <a:rPr lang="en-US" altLang="ko-KR" sz="1050" smtClean="0"/>
+              <a:t>, </a:t>
+            </a:r>
+            <a:r>
+              <a:rPr lang="ko-KR" altLang="en-US" sz="1050" smtClean="0"/>
+              <a:t>거스름돈</a:t>
+            </a:r>
+            <a:r>
+              <a:rPr lang="en-US" altLang="ko-KR" sz="1050" smtClean="0"/>
+              <a:t>, </a:t>
+            </a:r>
+            <a:r>
+              <a:rPr lang="ko-KR" altLang="en-US" sz="1050" smtClean="0"/>
+              <a:t>남은 달러 </a:t>
+            </a:r>
+            <a:r>
+              <a:rPr lang="en-US" altLang="ko-KR" sz="1400" smtClean="0"/>
+              <a:t>, </a:t>
+            </a:r>
+            <a:r>
+              <a:rPr lang="ko-KR" altLang="en-US" sz="1400" smtClean="0"/>
+              <a:t>지폐 개수</a:t>
+            </a:r>
+            <a:endParaRPr lang="ko-KR" altLang="en-US" sz="1400"/>
+          </a:p>
+        </p:txBody>
+      </p:sp>
+    </p:spTree>
+    <p:extLst>
+      <p:ext uri="{BB962C8B-B14F-4D97-AF65-F5344CB8AC3E}">
+        <p14:creationId xmlns:p14="http://schemas.microsoft.com/office/powerpoint/2010/main" val="3337464445"/>
+      </p:ext>
+    </p:extLst>
+  </p:cSld>
+  <p:clrMapOvr>
+    <a:masterClrMapping/>
+  </p:clrMapOvr>
+  <p:timing>
+    <p:tnLst>
+      <p:par>
+        <p:cTn id="1" dur="indefinite" restart="never" nodeType="tmRoot"/>
+      </p:par>
+    </p:tnLst>
+  </p:timing>
 </p:sld>
 </file>
 
@@ -14449,6 +14659,13 @@
   <p:clrMapOvr>
     <a:masterClrMapping/>
   </p:clrMapOvr>
+  <p:timing>
+    <p:tnLst>
+      <p:par>
+        <p:cTn id="1" dur="indefinite" restart="never" nodeType="tmRoot"/>
+      </p:par>
+    </p:tnLst>
+  </p:timing>
 </p:sld>
 </file>
 
@@ -14469,6 +14686,30 @@
           <a:chExt cx="0" cy="0"/>
         </a:xfrm>
       </p:grpSpPr>
+      <p:pic>
+        <p:nvPicPr>
+          <p:cNvPr id="4" name="그림 3"/>
+          <p:cNvPicPr>
+            <a:picLocks noChangeAspect="1"/>
+          </p:cNvPicPr>
+          <p:nvPr/>
+        </p:nvPicPr>
+        <p:blipFill>
+          <a:blip r:embed="rId2"/>
+          <a:stretch>
+            <a:fillRect/>
+          </a:stretch>
+        </p:blipFill>
+        <p:spPr>
+          <a:xfrm>
+            <a:off x="4799115" y="2508034"/>
+            <a:ext cx="7321688" cy="3797731"/>
+          </a:xfrm>
+          <a:prstGeom prst="rect">
+            <a:avLst/>
+          </a:prstGeom>
+        </p:spPr>
+      </p:pic>
       <p:sp>
         <p:nvSpPr>
           <p:cNvPr id="2" name="제목 1"/>
@@ -14683,30 +14924,6 @@
           </a:p>
         </p:txBody>
       </p:sp>
-      <p:pic>
-        <p:nvPicPr>
-          <p:cNvPr id="5" name="그림 4"/>
-          <p:cNvPicPr>
-            <a:picLocks noChangeAspect="1"/>
-          </p:cNvPicPr>
-          <p:nvPr/>
-        </p:nvPicPr>
-        <p:blipFill>
-          <a:blip r:embed="rId2"/>
-          <a:stretch>
-            <a:fillRect/>
-          </a:stretch>
-        </p:blipFill>
-        <p:spPr>
-          <a:xfrm>
-            <a:off x="5355771" y="2525444"/>
-            <a:ext cx="5557095" cy="4281192"/>
-          </a:xfrm>
-          <a:prstGeom prst="rect">
-            <a:avLst/>
-          </a:prstGeom>
-        </p:spPr>
-      </p:pic>
       <p:cxnSp>
         <p:nvCxnSpPr>
           <p:cNvPr id="12" name="직선 화살표 연결선 11"/>
@@ -14715,8 +14932,8 @@
         </p:nvCxnSpPr>
         <p:spPr>
           <a:xfrm flipV="1">
-            <a:off x="3253839" y="4406900"/>
-            <a:ext cx="3019961" cy="948874"/>
+            <a:off x="3253839" y="4229100"/>
+            <a:ext cx="2381151" cy="1126674"/>
           </a:xfrm>
           <a:prstGeom prst="straightConnector1">
             <a:avLst/>
@@ -14748,8 +14965,8 @@
         </p:nvCxnSpPr>
         <p:spPr>
           <a:xfrm flipV="1">
-            <a:off x="3776353" y="4288394"/>
-            <a:ext cx="2497447" cy="616116"/>
+            <a:off x="3550391" y="4051109"/>
+            <a:ext cx="2164609" cy="789077"/>
           </a:xfrm>
           <a:prstGeom prst="straightConnector1">
             <a:avLst/>
@@ -14781,7 +14998,7 @@
         </p:nvCxnSpPr>
         <p:spPr>
           <a:xfrm>
-            <a:off x="2268187" y="4049486"/>
+            <a:off x="1765299" y="3648349"/>
             <a:ext cx="3788229" cy="2256311"/>
           </a:xfrm>
           <a:prstGeom prst="straightConnector1">
@@ -14814,7 +15031,7 @@
         </p:nvCxnSpPr>
         <p:spPr>
           <a:xfrm>
-            <a:off x="6151139" y="6454404"/>
+            <a:off x="5535660" y="6122934"/>
             <a:ext cx="1983179" cy="0"/>
           </a:xfrm>
           <a:prstGeom prst="line">
@@ -14846,6 +15063,13 @@
   <p:clrMapOvr>
     <a:masterClrMapping/>
   </p:clrMapOvr>
+  <p:timing>
+    <p:tnLst>
+      <p:par>
+        <p:cTn id="1" dur="indefinite" restart="never" nodeType="tmRoot"/>
+      </p:par>
+    </p:tnLst>
+  </p:timing>
 </p:sld>
 </file>
 
@@ -14866,6 +15090,30 @@
           <a:chExt cx="0" cy="0"/>
         </a:xfrm>
       </p:grpSpPr>
+      <p:pic>
+        <p:nvPicPr>
+          <p:cNvPr id="10" name="그림 9"/>
+          <p:cNvPicPr>
+            <a:picLocks noChangeAspect="1"/>
+          </p:cNvPicPr>
+          <p:nvPr/>
+        </p:nvPicPr>
+        <p:blipFill>
+          <a:blip r:embed="rId2"/>
+          <a:stretch>
+            <a:fillRect/>
+          </a:stretch>
+        </p:blipFill>
+        <p:spPr>
+          <a:xfrm>
+            <a:off x="4787685" y="2546134"/>
+            <a:ext cx="7321688" cy="3797731"/>
+          </a:xfrm>
+          <a:prstGeom prst="rect">
+            <a:avLst/>
+          </a:prstGeom>
+        </p:spPr>
+      </p:pic>
       <p:sp>
         <p:nvSpPr>
           <p:cNvPr id="5" name="내용 개체 틀 2"/>
@@ -15007,30 +15255,6 @@
           </a:p>
         </p:txBody>
       </p:sp>
-      <p:pic>
-        <p:nvPicPr>
-          <p:cNvPr id="6" name="그림 5"/>
-          <p:cNvPicPr>
-            <a:picLocks noChangeAspect="1"/>
-          </p:cNvPicPr>
-          <p:nvPr/>
-        </p:nvPicPr>
-        <p:blipFill>
-          <a:blip r:embed="rId2"/>
-          <a:stretch>
-            <a:fillRect/>
-          </a:stretch>
-        </p:blipFill>
-        <p:spPr>
-          <a:xfrm>
-            <a:off x="5431971" y="2487344"/>
-            <a:ext cx="5557095" cy="4281192"/>
-          </a:xfrm>
-          <a:prstGeom prst="rect">
-            <a:avLst/>
-          </a:prstGeom>
-        </p:spPr>
-      </p:pic>
       <p:cxnSp>
         <p:nvCxnSpPr>
           <p:cNvPr id="7" name="직선 화살표 연결선 6"/>
@@ -15040,7 +15264,7 @@
         <p:spPr>
           <a:xfrm>
             <a:off x="3823855" y="4073236"/>
-            <a:ext cx="2538845" cy="460664"/>
+            <a:ext cx="2234045" cy="647189"/>
           </a:xfrm>
           <a:prstGeom prst="straightConnector1">
             <a:avLst/>
@@ -15073,7 +15297,7 @@
         <p:spPr>
           <a:xfrm>
             <a:off x="2997200" y="4445000"/>
-            <a:ext cx="3810000" cy="469900"/>
+            <a:ext cx="2946400" cy="355600"/>
           </a:xfrm>
           <a:prstGeom prst="straightConnector1">
             <a:avLst/>
@@ -15107,6 +15331,13 @@
   <p:clrMapOvr>
     <a:masterClrMapping/>
   </p:clrMapOvr>
+  <p:timing>
+    <p:tnLst>
+      <p:par>
+        <p:cTn id="1" dur="indefinite" restart="never" nodeType="tmRoot"/>
+      </p:par>
+    </p:tnLst>
+  </p:timing>
 </p:sld>
 </file>
 
@@ -15127,6 +15358,30 @@
           <a:chExt cx="0" cy="0"/>
         </a:xfrm>
       </p:grpSpPr>
+      <p:pic>
+        <p:nvPicPr>
+          <p:cNvPr id="5" name="그림 4"/>
+          <p:cNvPicPr>
+            <a:picLocks noChangeAspect="1"/>
+          </p:cNvPicPr>
+          <p:nvPr/>
+        </p:nvPicPr>
+        <p:blipFill>
+          <a:blip r:embed="rId2"/>
+          <a:stretch>
+            <a:fillRect/>
+          </a:stretch>
+        </p:blipFill>
+        <p:spPr>
+          <a:xfrm>
+            <a:off x="5607016" y="2388727"/>
+            <a:ext cx="5150167" cy="4469273"/>
+          </a:xfrm>
+          <a:prstGeom prst="rect">
+            <a:avLst/>
+          </a:prstGeom>
+        </p:spPr>
+      </p:pic>
       <p:sp>
         <p:nvSpPr>
           <p:cNvPr id="2" name="제목 1"/>
@@ -15258,30 +15513,6 @@
           </a:p>
         </p:txBody>
       </p:sp>
-      <p:pic>
-        <p:nvPicPr>
-          <p:cNvPr id="4" name="그림 3"/>
-          <p:cNvPicPr>
-            <a:picLocks noChangeAspect="1"/>
-          </p:cNvPicPr>
-          <p:nvPr/>
-        </p:nvPicPr>
-        <p:blipFill>
-          <a:blip r:embed="rId2"/>
-          <a:stretch>
-            <a:fillRect/>
-          </a:stretch>
-        </p:blipFill>
-        <p:spPr>
-          <a:xfrm>
-            <a:off x="5241595" y="2484953"/>
-            <a:ext cx="6838950" cy="3867150"/>
-          </a:xfrm>
-          <a:prstGeom prst="rect">
-            <a:avLst/>
-          </a:prstGeom>
-        </p:spPr>
-      </p:pic>
       <p:cxnSp>
         <p:nvCxnSpPr>
           <p:cNvPr id="6" name="직선 화살표 연결선 5"/>
@@ -15290,8 +15521,8 @@
         </p:nvCxnSpPr>
         <p:spPr>
           <a:xfrm flipV="1">
-            <a:off x="1615044" y="3515096"/>
-            <a:ext cx="4191990" cy="154379"/>
+            <a:off x="1615044" y="3341391"/>
+            <a:ext cx="4385706" cy="328085"/>
           </a:xfrm>
           <a:prstGeom prst="straightConnector1">
             <a:avLst/>
@@ -15322,9 +15553,9 @@
           <p:nvPr/>
         </p:nvCxnSpPr>
         <p:spPr>
-          <a:xfrm>
-            <a:off x="2363190" y="4049486"/>
-            <a:ext cx="3420093" cy="47501"/>
+          <a:xfrm flipV="1">
+            <a:off x="2363190" y="3770416"/>
+            <a:ext cx="3637560" cy="279070"/>
           </a:xfrm>
           <a:prstGeom prst="straightConnector1">
             <a:avLst/>
@@ -15355,9 +15586,9 @@
           <p:nvPr/>
         </p:nvCxnSpPr>
         <p:spPr>
-          <a:xfrm>
-            <a:off x="3301340" y="4500748"/>
-            <a:ext cx="2505694" cy="142504"/>
+          <a:xfrm flipV="1">
+            <a:off x="3301340" y="4215740"/>
+            <a:ext cx="2699410" cy="285008"/>
           </a:xfrm>
           <a:prstGeom prst="straightConnector1">
             <a:avLst/>
@@ -15388,9 +15619,9 @@
           <p:nvPr/>
         </p:nvCxnSpPr>
         <p:spPr>
-          <a:xfrm>
-            <a:off x="2790701" y="4892634"/>
-            <a:ext cx="2992582" cy="344384"/>
+          <a:xfrm flipV="1">
+            <a:off x="2790701" y="4592344"/>
+            <a:ext cx="3095749" cy="300290"/>
           </a:xfrm>
           <a:prstGeom prst="straightConnector1">
             <a:avLst/>
@@ -15421,9 +15652,9 @@
           <p:nvPr/>
         </p:nvCxnSpPr>
         <p:spPr>
-          <a:xfrm>
-            <a:off x="2363190" y="5284519"/>
-            <a:ext cx="3420093" cy="534390"/>
+          <a:xfrm flipV="1">
+            <a:off x="2363190" y="5043606"/>
+            <a:ext cx="3523260" cy="240913"/>
           </a:xfrm>
           <a:prstGeom prst="straightConnector1">
             <a:avLst/>
@@ -15457,6 +15688,13 @@
   <p:clrMapOvr>
     <a:masterClrMapping/>
   </p:clrMapOvr>
+  <p:timing>
+    <p:tnLst>
+      <p:par>
+        <p:cTn id="1" dur="indefinite" restart="never" nodeType="tmRoot"/>
+      </p:par>
+    </p:tnLst>
+  </p:timing>
 </p:sld>
 </file>
 
@@ -15686,7 +15924,7 @@
       </p:sp>
       <p:pic>
         <p:nvPicPr>
-          <p:cNvPr id="5" name="그림 4"/>
+          <p:cNvPr id="4" name="그림 3"/>
           <p:cNvPicPr>
             <a:picLocks noChangeAspect="1"/>
           </p:cNvPicPr>
@@ -15700,8 +15938,8 @@
         </p:blipFill>
         <p:spPr>
           <a:xfrm>
-            <a:off x="5106391" y="2476500"/>
-            <a:ext cx="7006779" cy="4095750"/>
+            <a:off x="5106391" y="2651760"/>
+            <a:ext cx="6303532" cy="3464242"/>
           </a:xfrm>
           <a:prstGeom prst="rect">
             <a:avLst/>
@@ -15718,6 +15956,13 @@
   <p:clrMapOvr>
     <a:masterClrMapping/>
   </p:clrMapOvr>
+  <p:timing>
+    <p:tnLst>
+      <p:par>
+        <p:cTn id="1" dur="indefinite" restart="never" nodeType="tmRoot"/>
+      </p:par>
+    </p:tnLst>
+  </p:timing>
 </p:sld>
 </file>
 
@@ -15938,7 +16183,7 @@
       </p:sp>
       <p:pic>
         <p:nvPicPr>
-          <p:cNvPr id="5" name="그림 4"/>
+          <p:cNvPr id="3" name="그림 2"/>
           <p:cNvPicPr>
             <a:picLocks noChangeAspect="1"/>
           </p:cNvPicPr>
@@ -15952,8 +16197,8 @@
         </p:blipFill>
         <p:spPr>
           <a:xfrm>
-            <a:off x="6930965" y="1816925"/>
-            <a:ext cx="4752621" cy="5041075"/>
+            <a:off x="5555024" y="2834640"/>
+            <a:ext cx="6621270" cy="3097530"/>
           </a:xfrm>
           <a:prstGeom prst="rect">
             <a:avLst/>
@@ -15970,6 +16215,13 @@
   <p:clrMapOvr>
     <a:masterClrMapping/>
   </p:clrMapOvr>
+  <p:timing>
+    <p:tnLst>
+      <p:par>
+        <p:cTn id="1" dur="indefinite" restart="never" nodeType="tmRoot"/>
+      </p:par>
+    </p:tnLst>
+  </p:timing>
 </p:sld>
 </file>
 
@@ -16271,7 +16523,7 @@
       </p:sp>
       <p:pic>
         <p:nvPicPr>
-          <p:cNvPr id="2" name="그림 1"/>
+          <p:cNvPr id="5" name="그림 4"/>
           <p:cNvPicPr>
             <a:picLocks noChangeAspect="1"/>
           </p:cNvPicPr>
@@ -16285,8 +16537,8 @@
         </p:blipFill>
         <p:spPr>
           <a:xfrm>
-            <a:off x="6292650" y="2548890"/>
-            <a:ext cx="5862917" cy="3314700"/>
+            <a:off x="5986911" y="3017520"/>
+            <a:ext cx="6244621" cy="2880360"/>
           </a:xfrm>
           <a:prstGeom prst="rect">
             <a:avLst/>
@@ -16303,6 +16555,13 @@
   <p:clrMapOvr>
     <a:masterClrMapping/>
   </p:clrMapOvr>
+  <p:timing>
+    <p:tnLst>
+      <p:par>
+        <p:cTn id="1" dur="indefinite" restart="never" nodeType="tmRoot"/>
+      </p:par>
+    </p:tnLst>
+  </p:timing>
 </p:sld>
 </file>
 
@@ -16486,6 +16745,13 @@
   <p:clrMapOvr>
     <a:masterClrMapping/>
   </p:clrMapOvr>
+  <p:timing>
+    <p:tnLst>
+      <p:par>
+        <p:cTn id="1" dur="indefinite" restart="never" nodeType="tmRoot"/>
+      </p:par>
+    </p:tnLst>
+  </p:timing>
 </p:sld>
 </file>
 
